--- a/output/design-4-asymmetric-modern.pptx
+++ b/output/design-4-asymmetric-modern.pptx
@@ -4,9 +4,15 @@
   <p:sldMasterIdLst>
     <p:sldMasterId id="2147483648" r:id="rId1"/>
   </p:sldMasterIdLst>
-  <p:sldIdLst/>
+  <p:sldIdLst>
+    <p:sldId id="256" r:id="rId2"/>
+    <p:sldId id="257" r:id="rId3"/>
+    <p:sldId id="258" r:id="rId4"/>
+    <p:sldId id="259" r:id="rId5"/>
+    <p:sldId id="260" r:id="rId6"/>
+  </p:sldIdLst>
   <p:notesMasterIdLst>
-    <p:notesMasterId r:id="rId2"/>
+    <p:notesMasterId r:id="rId7"/>
   </p:notesMasterIdLst>
   <p:sldSz cx="9144000" cy="5143500"/>
   <p:notesSz cx="5143500" cy="9144000"/>
@@ -454,6 +460,446 @@
 </p:notesMaster>
 </file>
 
+<file path=ppt/notesSlides/notesSlide1.xml><?xml version="1.0" encoding="utf-8"?>
+<p:notes xmlns:a="http://schemas.openxmlformats.org/drawingml/2006/main" xmlns:r="http://schemas.openxmlformats.org/officeDocument/2006/relationships" xmlns:p="http://schemas.openxmlformats.org/presentationml/2006/main">
+  <p:cSld>
+    <p:spTree>
+      <p:nvGrpSpPr>
+        <p:cNvPr id="1" name=""/>
+        <p:cNvGrpSpPr/>
+        <p:nvPr/>
+      </p:nvGrpSpPr>
+      <p:grpSpPr>
+        <a:xfrm>
+          <a:off x="0" y="0"/>
+          <a:ext cx="0" cy="0"/>
+          <a:chOff x="0" y="0"/>
+          <a:chExt cx="0" cy="0"/>
+        </a:xfrm>
+      </p:grpSpPr>
+      <p:sp>
+        <p:nvSpPr>
+          <p:cNvPr id="2" name="Slide Image Placeholder 1"/>
+          <p:cNvSpPr>
+            <a:spLocks noGrp="1" noRot="1" noChangeAspect="1"/>
+          </p:cNvSpPr>
+          <p:nvPr>
+            <p:ph type="sldImg"/>
+          </p:nvPr>
+        </p:nvSpPr>
+        <p:spPr/>
+      </p:sp>
+      <p:sp>
+        <p:nvSpPr>
+          <p:cNvPr id="3" name="Notes Placeholder 2"/>
+          <p:cNvSpPr>
+            <a:spLocks noGrp="1"/>
+          </p:cNvSpPr>
+          <p:nvPr>
+            <p:ph type="body" idx="1"/>
+          </p:nvPr>
+        </p:nvSpPr>
+        <p:spPr/>
+        <p:txBody>
+          <a:bodyPr/>
+          <a:lstStyle/>
+          <a:p>
+            <a:r>
+              <a:rPr lang="en-US" dirty="0"/>
+              <a:t/>
+            </a:r>
+            <a:endParaRPr lang="en-US" dirty="0"/>
+          </a:p>
+        </p:txBody>
+      </p:sp>
+      <p:sp>
+        <p:nvSpPr>
+          <p:cNvPr id="4" name="Slide Number Placeholder 3"/>
+          <p:cNvSpPr>
+            <a:spLocks noGrp="1"/>
+          </p:cNvSpPr>
+          <p:nvPr>
+            <p:ph type="sldNum" sz="quarter" idx="10"/>
+          </p:nvPr>
+        </p:nvSpPr>
+        <p:spPr/>
+        <p:txBody>
+          <a:bodyPr/>
+          <a:lstStyle/>
+          <a:p>
+            <a:fld id="{F7021451-1387-4CA6-816F-3879F97B5CBC}" type="slidenum">
+              <a:rPr lang="en-US"/>
+              <a:t>1</a:t>
+            </a:fld>
+            <a:endParaRPr lang="en-US"/>
+          </a:p>
+        </p:txBody>
+      </p:sp>
+    </p:spTree>
+    <p:extLst>
+      <p:ext uri="{BB962C8B-B14F-4D97-AF65-F5344CB8AC3E}">
+        <p14:creationId xmlns:p14="http://schemas.microsoft.com/office/powerpoint/2010/main" val="1024086991"/>
+      </p:ext>
+    </p:extLst>
+  </p:cSld>
+  <p:clrMapOvr>
+    <a:masterClrMapping/>
+  </p:clrMapOvr>
+</p:notes>
+</file>
+
+<file path=ppt/notesSlides/notesSlide2.xml><?xml version="1.0" encoding="utf-8"?>
+<p:notes xmlns:a="http://schemas.openxmlformats.org/drawingml/2006/main" xmlns:r="http://schemas.openxmlformats.org/officeDocument/2006/relationships" xmlns:p="http://schemas.openxmlformats.org/presentationml/2006/main">
+  <p:cSld>
+    <p:spTree>
+      <p:nvGrpSpPr>
+        <p:cNvPr id="1" name=""/>
+        <p:cNvGrpSpPr/>
+        <p:nvPr/>
+      </p:nvGrpSpPr>
+      <p:grpSpPr>
+        <a:xfrm>
+          <a:off x="0" y="0"/>
+          <a:ext cx="0" cy="0"/>
+          <a:chOff x="0" y="0"/>
+          <a:chExt cx="0" cy="0"/>
+        </a:xfrm>
+      </p:grpSpPr>
+      <p:sp>
+        <p:nvSpPr>
+          <p:cNvPr id="2" name="Slide Image Placeholder 1"/>
+          <p:cNvSpPr>
+            <a:spLocks noGrp="1" noRot="1" noChangeAspect="1"/>
+          </p:cNvSpPr>
+          <p:nvPr>
+            <p:ph type="sldImg"/>
+          </p:nvPr>
+        </p:nvSpPr>
+        <p:spPr/>
+      </p:sp>
+      <p:sp>
+        <p:nvSpPr>
+          <p:cNvPr id="3" name="Notes Placeholder 2"/>
+          <p:cNvSpPr>
+            <a:spLocks noGrp="1"/>
+          </p:cNvSpPr>
+          <p:nvPr>
+            <p:ph type="body" idx="1"/>
+          </p:nvPr>
+        </p:nvSpPr>
+        <p:spPr/>
+        <p:txBody>
+          <a:bodyPr/>
+          <a:lstStyle/>
+          <a:p>
+            <a:r>
+              <a:rPr lang="en-US" dirty="0"/>
+              <a:t/>
+            </a:r>
+            <a:endParaRPr lang="en-US" dirty="0"/>
+          </a:p>
+        </p:txBody>
+      </p:sp>
+      <p:sp>
+        <p:nvSpPr>
+          <p:cNvPr id="4" name="Slide Number Placeholder 3"/>
+          <p:cNvSpPr>
+            <a:spLocks noGrp="1"/>
+          </p:cNvSpPr>
+          <p:nvPr>
+            <p:ph type="sldNum" sz="quarter" idx="10"/>
+          </p:nvPr>
+        </p:nvSpPr>
+        <p:spPr/>
+        <p:txBody>
+          <a:bodyPr/>
+          <a:lstStyle/>
+          <a:p>
+            <a:fld id="{F7021451-1387-4CA6-816F-3879F97B5CBC}" type="slidenum">
+              <a:rPr lang="en-US"/>
+              <a:t>2</a:t>
+            </a:fld>
+            <a:endParaRPr lang="en-US"/>
+          </a:p>
+        </p:txBody>
+      </p:sp>
+    </p:spTree>
+    <p:extLst>
+      <p:ext uri="{BB962C8B-B14F-4D97-AF65-F5344CB8AC3E}">
+        <p14:creationId xmlns:p14="http://schemas.microsoft.com/office/powerpoint/2010/main" val="1024086991"/>
+      </p:ext>
+    </p:extLst>
+  </p:cSld>
+  <p:clrMapOvr>
+    <a:masterClrMapping/>
+  </p:clrMapOvr>
+</p:notes>
+</file>
+
+<file path=ppt/notesSlides/notesSlide3.xml><?xml version="1.0" encoding="utf-8"?>
+<p:notes xmlns:a="http://schemas.openxmlformats.org/drawingml/2006/main" xmlns:r="http://schemas.openxmlformats.org/officeDocument/2006/relationships" xmlns:p="http://schemas.openxmlformats.org/presentationml/2006/main">
+  <p:cSld>
+    <p:spTree>
+      <p:nvGrpSpPr>
+        <p:cNvPr id="1" name=""/>
+        <p:cNvGrpSpPr/>
+        <p:nvPr/>
+      </p:nvGrpSpPr>
+      <p:grpSpPr>
+        <a:xfrm>
+          <a:off x="0" y="0"/>
+          <a:ext cx="0" cy="0"/>
+          <a:chOff x="0" y="0"/>
+          <a:chExt cx="0" cy="0"/>
+        </a:xfrm>
+      </p:grpSpPr>
+      <p:sp>
+        <p:nvSpPr>
+          <p:cNvPr id="2" name="Slide Image Placeholder 1"/>
+          <p:cNvSpPr>
+            <a:spLocks noGrp="1" noRot="1" noChangeAspect="1"/>
+          </p:cNvSpPr>
+          <p:nvPr>
+            <p:ph type="sldImg"/>
+          </p:nvPr>
+        </p:nvSpPr>
+        <p:spPr/>
+      </p:sp>
+      <p:sp>
+        <p:nvSpPr>
+          <p:cNvPr id="3" name="Notes Placeholder 2"/>
+          <p:cNvSpPr>
+            <a:spLocks noGrp="1"/>
+          </p:cNvSpPr>
+          <p:nvPr>
+            <p:ph type="body" idx="1"/>
+          </p:nvPr>
+        </p:nvSpPr>
+        <p:spPr/>
+        <p:txBody>
+          <a:bodyPr/>
+          <a:lstStyle/>
+          <a:p>
+            <a:r>
+              <a:rPr lang="en-US" dirty="0"/>
+              <a:t/>
+            </a:r>
+            <a:endParaRPr lang="en-US" dirty="0"/>
+          </a:p>
+        </p:txBody>
+      </p:sp>
+      <p:sp>
+        <p:nvSpPr>
+          <p:cNvPr id="4" name="Slide Number Placeholder 3"/>
+          <p:cNvSpPr>
+            <a:spLocks noGrp="1"/>
+          </p:cNvSpPr>
+          <p:nvPr>
+            <p:ph type="sldNum" sz="quarter" idx="10"/>
+          </p:nvPr>
+        </p:nvSpPr>
+        <p:spPr/>
+        <p:txBody>
+          <a:bodyPr/>
+          <a:lstStyle/>
+          <a:p>
+            <a:fld id="{F7021451-1387-4CA6-816F-3879F97B5CBC}" type="slidenum">
+              <a:rPr lang="en-US"/>
+              <a:t>3</a:t>
+            </a:fld>
+            <a:endParaRPr lang="en-US"/>
+          </a:p>
+        </p:txBody>
+      </p:sp>
+    </p:spTree>
+    <p:extLst>
+      <p:ext uri="{BB962C8B-B14F-4D97-AF65-F5344CB8AC3E}">
+        <p14:creationId xmlns:p14="http://schemas.microsoft.com/office/powerpoint/2010/main" val="1024086991"/>
+      </p:ext>
+    </p:extLst>
+  </p:cSld>
+  <p:clrMapOvr>
+    <a:masterClrMapping/>
+  </p:clrMapOvr>
+</p:notes>
+</file>
+
+<file path=ppt/notesSlides/notesSlide4.xml><?xml version="1.0" encoding="utf-8"?>
+<p:notes xmlns:a="http://schemas.openxmlformats.org/drawingml/2006/main" xmlns:r="http://schemas.openxmlformats.org/officeDocument/2006/relationships" xmlns:p="http://schemas.openxmlformats.org/presentationml/2006/main">
+  <p:cSld>
+    <p:spTree>
+      <p:nvGrpSpPr>
+        <p:cNvPr id="1" name=""/>
+        <p:cNvGrpSpPr/>
+        <p:nvPr/>
+      </p:nvGrpSpPr>
+      <p:grpSpPr>
+        <a:xfrm>
+          <a:off x="0" y="0"/>
+          <a:ext cx="0" cy="0"/>
+          <a:chOff x="0" y="0"/>
+          <a:chExt cx="0" cy="0"/>
+        </a:xfrm>
+      </p:grpSpPr>
+      <p:sp>
+        <p:nvSpPr>
+          <p:cNvPr id="2" name="Slide Image Placeholder 1"/>
+          <p:cNvSpPr>
+            <a:spLocks noGrp="1" noRot="1" noChangeAspect="1"/>
+          </p:cNvSpPr>
+          <p:nvPr>
+            <p:ph type="sldImg"/>
+          </p:nvPr>
+        </p:nvSpPr>
+        <p:spPr/>
+      </p:sp>
+      <p:sp>
+        <p:nvSpPr>
+          <p:cNvPr id="3" name="Notes Placeholder 2"/>
+          <p:cNvSpPr>
+            <a:spLocks noGrp="1"/>
+          </p:cNvSpPr>
+          <p:nvPr>
+            <p:ph type="body" idx="1"/>
+          </p:nvPr>
+        </p:nvSpPr>
+        <p:spPr/>
+        <p:txBody>
+          <a:bodyPr/>
+          <a:lstStyle/>
+          <a:p>
+            <a:r>
+              <a:rPr lang="en-US" dirty="0"/>
+              <a:t/>
+            </a:r>
+            <a:endParaRPr lang="en-US" dirty="0"/>
+          </a:p>
+        </p:txBody>
+      </p:sp>
+      <p:sp>
+        <p:nvSpPr>
+          <p:cNvPr id="4" name="Slide Number Placeholder 3"/>
+          <p:cNvSpPr>
+            <a:spLocks noGrp="1"/>
+          </p:cNvSpPr>
+          <p:nvPr>
+            <p:ph type="sldNum" sz="quarter" idx="10"/>
+          </p:nvPr>
+        </p:nvSpPr>
+        <p:spPr/>
+        <p:txBody>
+          <a:bodyPr/>
+          <a:lstStyle/>
+          <a:p>
+            <a:fld id="{F7021451-1387-4CA6-816F-3879F97B5CBC}" type="slidenum">
+              <a:rPr lang="en-US"/>
+              <a:t>4</a:t>
+            </a:fld>
+            <a:endParaRPr lang="en-US"/>
+          </a:p>
+        </p:txBody>
+      </p:sp>
+    </p:spTree>
+    <p:extLst>
+      <p:ext uri="{BB962C8B-B14F-4D97-AF65-F5344CB8AC3E}">
+        <p14:creationId xmlns:p14="http://schemas.microsoft.com/office/powerpoint/2010/main" val="1024086991"/>
+      </p:ext>
+    </p:extLst>
+  </p:cSld>
+  <p:clrMapOvr>
+    <a:masterClrMapping/>
+  </p:clrMapOvr>
+</p:notes>
+</file>
+
+<file path=ppt/notesSlides/notesSlide5.xml><?xml version="1.0" encoding="utf-8"?>
+<p:notes xmlns:a="http://schemas.openxmlformats.org/drawingml/2006/main" xmlns:r="http://schemas.openxmlformats.org/officeDocument/2006/relationships" xmlns:p="http://schemas.openxmlformats.org/presentationml/2006/main">
+  <p:cSld>
+    <p:spTree>
+      <p:nvGrpSpPr>
+        <p:cNvPr id="1" name=""/>
+        <p:cNvGrpSpPr/>
+        <p:nvPr/>
+      </p:nvGrpSpPr>
+      <p:grpSpPr>
+        <a:xfrm>
+          <a:off x="0" y="0"/>
+          <a:ext cx="0" cy="0"/>
+          <a:chOff x="0" y="0"/>
+          <a:chExt cx="0" cy="0"/>
+        </a:xfrm>
+      </p:grpSpPr>
+      <p:sp>
+        <p:nvSpPr>
+          <p:cNvPr id="2" name="Slide Image Placeholder 1"/>
+          <p:cNvSpPr>
+            <a:spLocks noGrp="1" noRot="1" noChangeAspect="1"/>
+          </p:cNvSpPr>
+          <p:nvPr>
+            <p:ph type="sldImg"/>
+          </p:nvPr>
+        </p:nvSpPr>
+        <p:spPr/>
+      </p:sp>
+      <p:sp>
+        <p:nvSpPr>
+          <p:cNvPr id="3" name="Notes Placeholder 2"/>
+          <p:cNvSpPr>
+            <a:spLocks noGrp="1"/>
+          </p:cNvSpPr>
+          <p:nvPr>
+            <p:ph type="body" idx="1"/>
+          </p:nvPr>
+        </p:nvSpPr>
+        <p:spPr/>
+        <p:txBody>
+          <a:bodyPr/>
+          <a:lstStyle/>
+          <a:p>
+            <a:r>
+              <a:rPr lang="en-US" dirty="0"/>
+              <a:t/>
+            </a:r>
+            <a:endParaRPr lang="en-US" dirty="0"/>
+          </a:p>
+        </p:txBody>
+      </p:sp>
+      <p:sp>
+        <p:nvSpPr>
+          <p:cNvPr id="4" name="Slide Number Placeholder 3"/>
+          <p:cNvSpPr>
+            <a:spLocks noGrp="1"/>
+          </p:cNvSpPr>
+          <p:nvPr>
+            <p:ph type="sldNum" sz="quarter" idx="10"/>
+          </p:nvPr>
+        </p:nvSpPr>
+        <p:spPr/>
+        <p:txBody>
+          <a:bodyPr/>
+          <a:lstStyle/>
+          <a:p>
+            <a:fld id="{F7021451-1387-4CA6-816F-3879F97B5CBC}" type="slidenum">
+              <a:rPr lang="en-US"/>
+              <a:t>5</a:t>
+            </a:fld>
+            <a:endParaRPr lang="en-US"/>
+          </a:p>
+        </p:txBody>
+      </p:sp>
+    </p:spTree>
+    <p:extLst>
+      <p:ext uri="{BB962C8B-B14F-4D97-AF65-F5344CB8AC3E}">
+        <p14:creationId xmlns:p14="http://schemas.microsoft.com/office/powerpoint/2010/main" val="1024086991"/>
+      </p:ext>
+    </p:extLst>
+  </p:cSld>
+  <p:clrMapOvr>
+    <a:masterClrMapping/>
+  </p:clrMapOvr>
+</p:notes>
+</file>
+
 <file path=ppt/slideLayouts/slideLayout1.xml><?xml version="1.0" encoding="utf-8"?>
 <p:sldLayout xmlns:a="http://schemas.openxmlformats.org/drawingml/2006/main" xmlns:r="http://schemas.openxmlformats.org/officeDocument/2006/relationships" xmlns:p="http://schemas.openxmlformats.org/presentationml/2006/main" preserve="1">
   <p:cSld name="DEFAULT">
@@ -759,6 +1205,2039 @@
     </p:otherStyle>
   </p:txStyles>
 </p:sldMaster>
+</file>
+
+<file path=ppt/slides/slide1.xml><?xml version="1.0" encoding="utf-8"?>
+<p:sld xmlns:a="http://schemas.openxmlformats.org/drawingml/2006/main" xmlns:r="http://schemas.openxmlformats.org/officeDocument/2006/relationships" xmlns:p="http://schemas.openxmlformats.org/presentationml/2006/main">
+  <p:cSld name="Slide 1">
+    <p:bg>
+      <p:bgPr>
+        <a:solidFill>
+          <a:srgbClr val="F8F9FA"/>
+        </a:solidFill>
+      </p:bgPr>
+    </p:bg>
+    <p:spTree>
+      <p:nvGrpSpPr>
+        <p:cNvPr id="1" name=""/>
+        <p:cNvGrpSpPr/>
+        <p:nvPr/>
+      </p:nvGrpSpPr>
+      <p:grpSpPr>
+        <a:xfrm>
+          <a:off x="0" y="0"/>
+          <a:ext cx="0" cy="0"/>
+          <a:chOff x="0" y="0"/>
+          <a:chExt cx="0" cy="0"/>
+        </a:xfrm>
+      </p:grpSpPr>
+      <p:sp>
+        <p:nvSpPr>
+          <p:cNvPr id="2" name="Shape 0"/>
+          <p:cNvSpPr/>
+          <p:nvPr/>
+        </p:nvSpPr>
+        <p:spPr>
+          <a:xfrm>
+            <a:off x="6400800" y="-914400"/>
+            <a:ext cx="6400800" cy="9144000"/>
+          </a:xfrm>
+          <a:prstGeom prst="roundRect">
+            <a:avLst>
+              <a:gd name="adj" fmla="val 7143"/>
+            </a:avLst>
+          </a:prstGeom>
+          <a:solidFill>
+            <a:srgbClr val="FF7932"/>
+          </a:solidFill>
+          <a:ln w="12700">
+            <a:solidFill>
+              <a:srgbClr val="333333"/>
+            </a:solidFill>
+            <a:prstDash val="solid"/>
+          </a:ln>
+        </p:spPr>
+      </p:sp>
+      <p:sp>
+        <p:nvSpPr>
+          <p:cNvPr id="3" name="Text 1"/>
+          <p:cNvSpPr/>
+          <p:nvPr/>
+        </p:nvSpPr>
+        <p:spPr>
+          <a:xfrm>
+            <a:off x="914400" y="2286000"/>
+            <a:ext cx="5029200" cy="1097280"/>
+          </a:xfrm>
+          <a:prstGeom prst="rect">
+            <a:avLst/>
+          </a:prstGeom>
+          <a:noFill/>
+          <a:ln/>
+        </p:spPr>
+        <p:txBody>
+          <a:bodyPr wrap="square" rtlCol="0" anchor="ctr"/>
+          <a:lstStyle/>
+          <a:p>
+            <a:pPr indent="0" marL="0">
+              <a:buNone/>
+            </a:pPr>
+            <a:r>
+              <a:rPr lang="en-US" sz="5200" b="1" dirty="0">
+                <a:solidFill>
+                  <a:srgbClr val="1A1A1A"/>
+                </a:solidFill>
+                <a:latin typeface="Arial" pitchFamily="34" charset="0"/>
+                <a:ea typeface="Arial" pitchFamily="34" charset="-122"/>
+                <a:cs typeface="Arial" pitchFamily="34" charset="-120"/>
+              </a:rPr>
+              <a:t>Fahrersoftware</a:t>
+            </a:r>
+            <a:endParaRPr lang="en-US" sz="5200" dirty="0"/>
+          </a:p>
+        </p:txBody>
+      </p:sp>
+      <p:sp>
+        <p:nvSpPr>
+          <p:cNvPr id="4" name="Text 2"/>
+          <p:cNvSpPr/>
+          <p:nvPr/>
+        </p:nvSpPr>
+        <p:spPr>
+          <a:xfrm>
+            <a:off x="914400" y="3474720"/>
+            <a:ext cx="4572000" cy="731520"/>
+          </a:xfrm>
+          <a:prstGeom prst="rect">
+            <a:avLst/>
+          </a:prstGeom>
+          <a:noFill/>
+          <a:ln/>
+        </p:spPr>
+        <p:txBody>
+          <a:bodyPr wrap="square" rtlCol="0" anchor="ctr"/>
+          <a:lstStyle/>
+          <a:p>
+            <a:pPr indent="0" marL="0">
+              <a:lnSpc>
+                <a:spcPts val="2800"/>
+              </a:lnSpc>
+              <a:buNone/>
+            </a:pPr>
+            <a:r>
+              <a:rPr lang="en-US" sz="2000" dirty="0">
+                <a:solidFill>
+                  <a:srgbClr val="666666"/>
+                </a:solidFill>
+                <a:latin typeface="Arial" pitchFamily="34" charset="0"/>
+                <a:ea typeface="Arial" pitchFamily="34" charset="-122"/>
+                <a:cs typeface="Arial" pitchFamily="34" charset="-120"/>
+              </a:rPr>
+              <a:t>Die Zukunft der Fahrzeugdisposition</a:t>
+            </a:r>
+            <a:endParaRPr lang="en-US" sz="2000" dirty="0"/>
+          </a:p>
+        </p:txBody>
+      </p:sp>
+      <p:sp>
+        <p:nvSpPr>
+          <p:cNvPr id="5" name="Shape 3"/>
+          <p:cNvSpPr/>
+          <p:nvPr/>
+        </p:nvSpPr>
+        <p:spPr>
+          <a:xfrm>
+            <a:off x="914400" y="4389120"/>
+            <a:ext cx="1828800" cy="36576"/>
+          </a:xfrm>
+          <a:prstGeom prst="rect">
+            <a:avLst/>
+          </a:prstGeom>
+          <a:solidFill>
+            <a:srgbClr val="FF7932"/>
+          </a:solidFill>
+          <a:ln w="12700">
+            <a:solidFill>
+              <a:srgbClr val="333333"/>
+            </a:solidFill>
+            <a:prstDash val="solid"/>
+          </a:ln>
+        </p:spPr>
+      </p:sp>
+      <p:sp>
+        <p:nvSpPr>
+          <p:cNvPr id="6" name="Text 4"/>
+          <p:cNvSpPr/>
+          <p:nvPr/>
+        </p:nvSpPr>
+        <p:spPr>
+          <a:xfrm>
+            <a:off x="6858000" y="2743200"/>
+            <a:ext cx="5029200" cy="1828800"/>
+          </a:xfrm>
+          <a:prstGeom prst="rect">
+            <a:avLst/>
+          </a:prstGeom>
+          <a:noFill/>
+          <a:ln/>
+        </p:spPr>
+        <p:txBody>
+          <a:bodyPr wrap="square" rtlCol="0" anchor="ctr"/>
+          <a:lstStyle/>
+          <a:p>
+            <a:pPr indent="0" marL="0">
+              <a:buNone/>
+            </a:pPr>
+            <a:r>
+              <a:rPr lang="en-US" sz="2400" dirty="0">
+                <a:solidFill>
+                  <a:srgbClr val="FFFFFF"/>
+                </a:solidFill>
+                <a:latin typeface="Arial" pitchFamily="34" charset="0"/>
+                <a:ea typeface="Arial" pitchFamily="34" charset="-122"/>
+                <a:cs typeface="Arial" pitchFamily="34" charset="-120"/>
+              </a:rPr>
+              <a:t>Eine Software für alle Standorte</a:t>
+            </a:r>
+            <a:endParaRPr lang="en-US" sz="2400" dirty="0"/>
+          </a:p>
+        </p:txBody>
+      </p:sp>
+    </p:spTree>
+  </p:cSld>
+  <p:clrMapOvr>
+    <a:masterClrMapping/>
+  </p:clrMapOvr>
+</p:sld>
+</file>
+
+<file path=ppt/slides/slide2.xml><?xml version="1.0" encoding="utf-8"?>
+<p:sld xmlns:a="http://schemas.openxmlformats.org/drawingml/2006/main" xmlns:r="http://schemas.openxmlformats.org/officeDocument/2006/relationships" xmlns:p="http://schemas.openxmlformats.org/presentationml/2006/main">
+  <p:cSld name="Slide 2">
+    <p:bg>
+      <p:bgPr>
+        <a:solidFill>
+          <a:srgbClr val="FFFFFF"/>
+        </a:solidFill>
+      </p:bgPr>
+    </p:bg>
+    <p:spTree>
+      <p:nvGrpSpPr>
+        <p:cNvPr id="1" name=""/>
+        <p:cNvGrpSpPr/>
+        <p:nvPr/>
+      </p:nvGrpSpPr>
+      <p:grpSpPr>
+        <a:xfrm>
+          <a:off x="0" y="0"/>
+          <a:ext cx="0" cy="0"/>
+          <a:chOff x="0" y="0"/>
+          <a:chExt cx="0" cy="0"/>
+        </a:xfrm>
+      </p:grpSpPr>
+      <p:sp>
+        <p:nvSpPr>
+          <p:cNvPr id="2" name="Shape 0"/>
+          <p:cNvSpPr/>
+          <p:nvPr/>
+        </p:nvSpPr>
+        <p:spPr>
+          <a:xfrm>
+            <a:off x="0" y="0"/>
+            <a:ext cx="9144000" cy="1371600"/>
+          </a:xfrm>
+          <a:prstGeom prst="rect">
+            <a:avLst/>
+          </a:prstGeom>
+          <a:solidFill>
+            <a:srgbClr val="FF7932"/>
+          </a:solidFill>
+          <a:ln w="12700">
+            <a:solidFill>
+              <a:srgbClr val="333333"/>
+            </a:solidFill>
+            <a:prstDash val="solid"/>
+          </a:ln>
+        </p:spPr>
+      </p:sp>
+      <p:sp>
+        <p:nvSpPr>
+          <p:cNvPr id="3" name="Text 1"/>
+          <p:cNvSpPr/>
+          <p:nvPr/>
+        </p:nvSpPr>
+        <p:spPr>
+          <a:xfrm>
+            <a:off x="731520" y="457200"/>
+            <a:ext cx="9144000" cy="548640"/>
+          </a:xfrm>
+          <a:prstGeom prst="rect">
+            <a:avLst/>
+          </a:prstGeom>
+          <a:noFill/>
+          <a:ln/>
+        </p:spPr>
+        <p:txBody>
+          <a:bodyPr wrap="square" rtlCol="0" anchor="ctr"/>
+          <a:lstStyle/>
+          <a:p>
+            <a:pPr indent="0" marL="0">
+              <a:buNone/>
+            </a:pPr>
+            <a:r>
+              <a:rPr lang="en-US" sz="3200" b="1" dirty="0">
+                <a:solidFill>
+                  <a:srgbClr val="FFFFFF"/>
+                </a:solidFill>
+                <a:latin typeface="Arial" pitchFamily="34" charset="0"/>
+                <a:ea typeface="Arial" pitchFamily="34" charset="-122"/>
+                <a:cs typeface="Arial" pitchFamily="34" charset="-120"/>
+              </a:rPr>
+              <a:t>Aktuelle Herausforderungen</a:t>
+            </a:r>
+            <a:endParaRPr lang="en-US" sz="3200" dirty="0"/>
+          </a:p>
+        </p:txBody>
+      </p:sp>
+      <p:sp>
+        <p:nvSpPr>
+          <p:cNvPr id="4" name="Shape 2"/>
+          <p:cNvSpPr/>
+          <p:nvPr/>
+        </p:nvSpPr>
+        <p:spPr>
+          <a:xfrm>
+            <a:off x="731520" y="1645920"/>
+            <a:ext cx="3200400" cy="1737360"/>
+          </a:xfrm>
+          <a:prstGeom prst="roundRect">
+            <a:avLst>
+              <a:gd name="adj" fmla="val 7895"/>
+            </a:avLst>
+          </a:prstGeom>
+          <a:solidFill>
+            <a:srgbClr val="F8F9FA"/>
+          </a:solidFill>
+          <a:ln w="12700">
+            <a:solidFill>
+              <a:srgbClr val="333333"/>
+            </a:solidFill>
+            <a:prstDash val="solid"/>
+          </a:ln>
+          <a:effectLst>
+            <a:outerShdw sx="100000" sy="100000" kx="0" ky="0" algn="bl" rotWithShape="0" blurRad="254000" dist="101600" dir="5400000">
+              <a:srgbClr val="000000">
+                <a:alpha val="15000"/>
+              </a:srgbClr>
+            </a:outerShdw>
+          </a:effectLst>
+        </p:spPr>
+      </p:sp>
+      <p:sp>
+        <p:nvSpPr>
+          <p:cNvPr id="5" name="Text 3"/>
+          <p:cNvSpPr/>
+          <p:nvPr/>
+        </p:nvSpPr>
+        <p:spPr>
+          <a:xfrm>
+            <a:off x="914400" y="1920240"/>
+            <a:ext cx="2834640" cy="457200"/>
+          </a:xfrm>
+          <a:prstGeom prst="rect">
+            <a:avLst/>
+          </a:prstGeom>
+          <a:noFill/>
+          <a:ln/>
+        </p:spPr>
+        <p:txBody>
+          <a:bodyPr wrap="square" rtlCol="0" anchor="ctr"/>
+          <a:lstStyle/>
+          <a:p>
+            <a:pPr indent="0" marL="0">
+              <a:buNone/>
+            </a:pPr>
+            <a:r>
+              <a:rPr lang="en-US" sz="1800" b="1" dirty="0">
+                <a:solidFill>
+                  <a:srgbClr val="1A1A1A"/>
+                </a:solidFill>
+                <a:latin typeface="Arial" pitchFamily="34" charset="0"/>
+                <a:ea typeface="Arial" pitchFamily="34" charset="-122"/>
+                <a:cs typeface="Arial" pitchFamily="34" charset="-120"/>
+              </a:rPr>
+              <a:t>Isolierte Standorte</a:t>
+            </a:r>
+            <a:endParaRPr lang="en-US" sz="1800" dirty="0"/>
+          </a:p>
+        </p:txBody>
+      </p:sp>
+      <p:sp>
+        <p:nvSpPr>
+          <p:cNvPr id="6" name="Text 4"/>
+          <p:cNvSpPr/>
+          <p:nvPr/>
+        </p:nvSpPr>
+        <p:spPr>
+          <a:xfrm>
+            <a:off x="914400" y="2468880"/>
+            <a:ext cx="2834640" cy="731520"/>
+          </a:xfrm>
+          <a:prstGeom prst="rect">
+            <a:avLst/>
+          </a:prstGeom>
+          <a:noFill/>
+          <a:ln/>
+        </p:spPr>
+        <p:txBody>
+          <a:bodyPr wrap="square" rtlCol="0" anchor="ctr"/>
+          <a:lstStyle/>
+          <a:p>
+            <a:pPr indent="0" marL="0">
+              <a:buNone/>
+            </a:pPr>
+            <a:r>
+              <a:rPr lang="en-US" sz="1300" dirty="0">
+                <a:solidFill>
+                  <a:srgbClr val="666666"/>
+                </a:solidFill>
+                <a:latin typeface="Arial" pitchFamily="34" charset="0"/>
+                <a:ea typeface="Arial" pitchFamily="34" charset="-122"/>
+                <a:cs typeface="Arial" pitchFamily="34" charset="-120"/>
+              </a:rPr>
+              <a:t>Keine Vernetzung zwischen den Niederlassungen</a:t>
+            </a:r>
+            <a:endParaRPr lang="en-US" sz="1300" dirty="0"/>
+          </a:p>
+        </p:txBody>
+      </p:sp>
+      <p:sp>
+        <p:nvSpPr>
+          <p:cNvPr id="7" name="Shape 5"/>
+          <p:cNvSpPr/>
+          <p:nvPr/>
+        </p:nvSpPr>
+        <p:spPr>
+          <a:xfrm>
+            <a:off x="4114800" y="1645920"/>
+            <a:ext cx="3200400" cy="1737360"/>
+          </a:xfrm>
+          <a:prstGeom prst="roundRect">
+            <a:avLst>
+              <a:gd name="adj" fmla="val 7895"/>
+            </a:avLst>
+          </a:prstGeom>
+          <a:solidFill>
+            <a:srgbClr val="F8F9FA"/>
+          </a:solidFill>
+          <a:ln w="12700">
+            <a:solidFill>
+              <a:srgbClr val="333333"/>
+            </a:solidFill>
+            <a:prstDash val="solid"/>
+          </a:ln>
+          <a:effectLst>
+            <a:outerShdw sx="100000" sy="100000" kx="0" ky="0" algn="bl" rotWithShape="0" blurRad="254000" dist="101600" dir="5400000">
+              <a:srgbClr val="000000">
+                <a:alpha val="15000"/>
+              </a:srgbClr>
+            </a:outerShdw>
+          </a:effectLst>
+        </p:spPr>
+      </p:sp>
+      <p:sp>
+        <p:nvSpPr>
+          <p:cNvPr id="8" name="Text 6"/>
+          <p:cNvSpPr/>
+          <p:nvPr/>
+        </p:nvSpPr>
+        <p:spPr>
+          <a:xfrm>
+            <a:off x="4297680" y="1920240"/>
+            <a:ext cx="2834640" cy="457200"/>
+          </a:xfrm>
+          <a:prstGeom prst="rect">
+            <a:avLst/>
+          </a:prstGeom>
+          <a:noFill/>
+          <a:ln/>
+        </p:spPr>
+        <p:txBody>
+          <a:bodyPr wrap="square" rtlCol="0" anchor="ctr"/>
+          <a:lstStyle/>
+          <a:p>
+            <a:pPr indent="0" marL="0">
+              <a:buNone/>
+            </a:pPr>
+            <a:r>
+              <a:rPr lang="en-US" sz="1800" b="1" dirty="0">
+                <a:solidFill>
+                  <a:srgbClr val="1A1A1A"/>
+                </a:solidFill>
+                <a:latin typeface="Arial" pitchFamily="34" charset="0"/>
+                <a:ea typeface="Arial" pitchFamily="34" charset="-122"/>
+                <a:cs typeface="Arial" pitchFamily="34" charset="-120"/>
+              </a:rPr>
+              <a:t>Manuelle Prozesse</a:t>
+            </a:r>
+            <a:endParaRPr lang="en-US" sz="1800" dirty="0"/>
+          </a:p>
+        </p:txBody>
+      </p:sp>
+      <p:sp>
+        <p:nvSpPr>
+          <p:cNvPr id="9" name="Text 7"/>
+          <p:cNvSpPr/>
+          <p:nvPr/>
+        </p:nvSpPr>
+        <p:spPr>
+          <a:xfrm>
+            <a:off x="4297680" y="2468880"/>
+            <a:ext cx="2834640" cy="731520"/>
+          </a:xfrm>
+          <a:prstGeom prst="rect">
+            <a:avLst/>
+          </a:prstGeom>
+          <a:noFill/>
+          <a:ln/>
+        </p:spPr>
+        <p:txBody>
+          <a:bodyPr wrap="square" rtlCol="0" anchor="ctr"/>
+          <a:lstStyle/>
+          <a:p>
+            <a:pPr indent="0" marL="0">
+              <a:buNone/>
+            </a:pPr>
+            <a:r>
+              <a:rPr lang="en-US" sz="1300" dirty="0">
+                <a:solidFill>
+                  <a:srgbClr val="666666"/>
+                </a:solidFill>
+                <a:latin typeface="Arial" pitchFamily="34" charset="0"/>
+                <a:ea typeface="Arial" pitchFamily="34" charset="-122"/>
+                <a:cs typeface="Arial" pitchFamily="34" charset="-120"/>
+              </a:rPr>
+              <a:t>Excel, Outlook &amp; Kalender führen zu Chaos</a:t>
+            </a:r>
+            <a:endParaRPr lang="en-US" sz="1300" dirty="0"/>
+          </a:p>
+        </p:txBody>
+      </p:sp>
+      <p:sp>
+        <p:nvSpPr>
+          <p:cNvPr id="10" name="Shape 8"/>
+          <p:cNvSpPr/>
+          <p:nvPr/>
+        </p:nvSpPr>
+        <p:spPr>
+          <a:xfrm>
+            <a:off x="7498080" y="1645920"/>
+            <a:ext cx="3200400" cy="1737360"/>
+          </a:xfrm>
+          <a:prstGeom prst="roundRect">
+            <a:avLst>
+              <a:gd name="adj" fmla="val 7895"/>
+            </a:avLst>
+          </a:prstGeom>
+          <a:solidFill>
+            <a:srgbClr val="F8F9FA"/>
+          </a:solidFill>
+          <a:ln w="12700">
+            <a:solidFill>
+              <a:srgbClr val="333333"/>
+            </a:solidFill>
+            <a:prstDash val="solid"/>
+          </a:ln>
+          <a:effectLst>
+            <a:outerShdw sx="100000" sy="100000" kx="0" ky="0" algn="bl" rotWithShape="0" blurRad="254000" dist="101600" dir="5400000">
+              <a:srgbClr val="000000">
+                <a:alpha val="15000"/>
+              </a:srgbClr>
+            </a:outerShdw>
+          </a:effectLst>
+        </p:spPr>
+      </p:sp>
+      <p:sp>
+        <p:nvSpPr>
+          <p:cNvPr id="11" name="Text 9"/>
+          <p:cNvSpPr/>
+          <p:nvPr/>
+        </p:nvSpPr>
+        <p:spPr>
+          <a:xfrm>
+            <a:off x="7680960" y="1920240"/>
+            <a:ext cx="2834640" cy="457200"/>
+          </a:xfrm>
+          <a:prstGeom prst="rect">
+            <a:avLst/>
+          </a:prstGeom>
+          <a:noFill/>
+          <a:ln/>
+        </p:spPr>
+        <p:txBody>
+          <a:bodyPr wrap="square" rtlCol="0" anchor="ctr"/>
+          <a:lstStyle/>
+          <a:p>
+            <a:pPr indent="0" marL="0">
+              <a:buNone/>
+            </a:pPr>
+            <a:r>
+              <a:rPr lang="en-US" sz="1800" b="1" dirty="0">
+                <a:solidFill>
+                  <a:srgbClr val="1A1A1A"/>
+                </a:solidFill>
+                <a:latin typeface="Arial" pitchFamily="34" charset="0"/>
+                <a:ea typeface="Arial" pitchFamily="34" charset="-122"/>
+                <a:cs typeface="Arial" pitchFamily="34" charset="-120"/>
+              </a:rPr>
+              <a:t>Fehlende Daten</a:t>
+            </a:r>
+            <a:endParaRPr lang="en-US" sz="1800" dirty="0"/>
+          </a:p>
+        </p:txBody>
+      </p:sp>
+      <p:sp>
+        <p:nvSpPr>
+          <p:cNvPr id="12" name="Text 10"/>
+          <p:cNvSpPr/>
+          <p:nvPr/>
+        </p:nvSpPr>
+        <p:spPr>
+          <a:xfrm>
+            <a:off x="7680960" y="2468880"/>
+            <a:ext cx="2834640" cy="731520"/>
+          </a:xfrm>
+          <a:prstGeom prst="rect">
+            <a:avLst/>
+          </a:prstGeom>
+          <a:noFill/>
+          <a:ln/>
+        </p:spPr>
+        <p:txBody>
+          <a:bodyPr wrap="square" rtlCol="0" anchor="ctr"/>
+          <a:lstStyle/>
+          <a:p>
+            <a:pPr indent="0" marL="0">
+              <a:buNone/>
+            </a:pPr>
+            <a:r>
+              <a:rPr lang="en-US" sz="1300" dirty="0">
+                <a:solidFill>
+                  <a:srgbClr val="666666"/>
+                </a:solidFill>
+                <a:latin typeface="Arial" pitchFamily="34" charset="0"/>
+                <a:ea typeface="Arial" pitchFamily="34" charset="-122"/>
+                <a:cs typeface="Arial" pitchFamily="34" charset="-120"/>
+              </a:rPr>
+              <a:t>Keine KPIs, keine Optimierung möglich</a:t>
+            </a:r>
+            <a:endParaRPr lang="en-US" sz="1300" dirty="0"/>
+          </a:p>
+        </p:txBody>
+      </p:sp>
+      <p:sp>
+        <p:nvSpPr>
+          <p:cNvPr id="13" name="Shape 11"/>
+          <p:cNvSpPr/>
+          <p:nvPr/>
+        </p:nvSpPr>
+        <p:spPr>
+          <a:xfrm>
+            <a:off x="2377440" y="3657600"/>
+            <a:ext cx="3200400" cy="1737360"/>
+          </a:xfrm>
+          <a:prstGeom prst="roundRect">
+            <a:avLst>
+              <a:gd name="adj" fmla="val 7895"/>
+            </a:avLst>
+          </a:prstGeom>
+          <a:solidFill>
+            <a:srgbClr val="F8F9FA"/>
+          </a:solidFill>
+          <a:ln w="12700">
+            <a:solidFill>
+              <a:srgbClr val="333333"/>
+            </a:solidFill>
+            <a:prstDash val="solid"/>
+          </a:ln>
+          <a:effectLst>
+            <a:outerShdw sx="100000" sy="100000" kx="0" ky="0" algn="bl" rotWithShape="0" blurRad="254000" dist="101600" dir="5400000">
+              <a:srgbClr val="000000">
+                <a:alpha val="15000"/>
+              </a:srgbClr>
+            </a:outerShdw>
+          </a:effectLst>
+        </p:spPr>
+      </p:sp>
+      <p:sp>
+        <p:nvSpPr>
+          <p:cNvPr id="14" name="Text 12"/>
+          <p:cNvSpPr/>
+          <p:nvPr/>
+        </p:nvSpPr>
+        <p:spPr>
+          <a:xfrm>
+            <a:off x="2560320" y="3931920"/>
+            <a:ext cx="2834640" cy="457200"/>
+          </a:xfrm>
+          <a:prstGeom prst="rect">
+            <a:avLst/>
+          </a:prstGeom>
+          <a:noFill/>
+          <a:ln/>
+        </p:spPr>
+        <p:txBody>
+          <a:bodyPr wrap="square" rtlCol="0" anchor="ctr"/>
+          <a:lstStyle/>
+          <a:p>
+            <a:pPr indent="0" marL="0">
+              <a:buNone/>
+            </a:pPr>
+            <a:r>
+              <a:rPr lang="en-US" sz="1800" b="1" dirty="0">
+                <a:solidFill>
+                  <a:srgbClr val="1A1A1A"/>
+                </a:solidFill>
+                <a:latin typeface="Arial" pitchFamily="34" charset="0"/>
+                <a:ea typeface="Arial" pitchFamily="34" charset="-122"/>
+                <a:cs typeface="Arial" pitchFamily="34" charset="-120"/>
+              </a:rPr>
+              <a:t>Hohe Leerlaufzeit</a:t>
+            </a:r>
+            <a:endParaRPr lang="en-US" sz="1800" dirty="0"/>
+          </a:p>
+        </p:txBody>
+      </p:sp>
+      <p:sp>
+        <p:nvSpPr>
+          <p:cNvPr id="15" name="Text 13"/>
+          <p:cNvSpPr/>
+          <p:nvPr/>
+        </p:nvSpPr>
+        <p:spPr>
+          <a:xfrm>
+            <a:off x="2560320" y="4480560"/>
+            <a:ext cx="2834640" cy="731520"/>
+          </a:xfrm>
+          <a:prstGeom prst="rect">
+            <a:avLst/>
+          </a:prstGeom>
+          <a:noFill/>
+          <a:ln/>
+        </p:spPr>
+        <p:txBody>
+          <a:bodyPr wrap="square" rtlCol="0" anchor="ctr"/>
+          <a:lstStyle/>
+          <a:p>
+            <a:pPr indent="0" marL="0">
+              <a:buNone/>
+            </a:pPr>
+            <a:r>
+              <a:rPr lang="en-US" sz="1300" dirty="0">
+                <a:solidFill>
+                  <a:srgbClr val="666666"/>
+                </a:solidFill>
+                <a:latin typeface="Arial" pitchFamily="34" charset="0"/>
+                <a:ea typeface="Arial" pitchFamily="34" charset="-122"/>
+                <a:cs typeface="Arial" pitchFamily="34" charset="-120"/>
+              </a:rPr>
+              <a:t>2,5 Stunden täglich pro Fahrzeug</a:t>
+            </a:r>
+            <a:endParaRPr lang="en-US" sz="1300" dirty="0"/>
+          </a:p>
+        </p:txBody>
+      </p:sp>
+      <p:sp>
+        <p:nvSpPr>
+          <p:cNvPr id="16" name="Shape 14"/>
+          <p:cNvSpPr/>
+          <p:nvPr/>
+        </p:nvSpPr>
+        <p:spPr>
+          <a:xfrm>
+            <a:off x="5760720" y="3657600"/>
+            <a:ext cx="3200400" cy="1737360"/>
+          </a:xfrm>
+          <a:prstGeom prst="roundRect">
+            <a:avLst>
+              <a:gd name="adj" fmla="val 7895"/>
+            </a:avLst>
+          </a:prstGeom>
+          <a:solidFill>
+            <a:srgbClr val="F8F9FA"/>
+          </a:solidFill>
+          <a:ln w="12700">
+            <a:solidFill>
+              <a:srgbClr val="333333"/>
+            </a:solidFill>
+            <a:prstDash val="solid"/>
+          </a:ln>
+          <a:effectLst>
+            <a:outerShdw sx="100000" sy="100000" kx="0" ky="0" algn="bl" rotWithShape="0" blurRad="254000" dist="101600" dir="5400000">
+              <a:srgbClr val="000000">
+                <a:alpha val="15000"/>
+              </a:srgbClr>
+            </a:outerShdw>
+          </a:effectLst>
+        </p:spPr>
+      </p:sp>
+      <p:sp>
+        <p:nvSpPr>
+          <p:cNvPr id="17" name="Text 15"/>
+          <p:cNvSpPr/>
+          <p:nvPr/>
+        </p:nvSpPr>
+        <p:spPr>
+          <a:xfrm>
+            <a:off x="5943600" y="3931920"/>
+            <a:ext cx="2834640" cy="457200"/>
+          </a:xfrm>
+          <a:prstGeom prst="rect">
+            <a:avLst/>
+          </a:prstGeom>
+          <a:noFill/>
+          <a:ln/>
+        </p:spPr>
+        <p:txBody>
+          <a:bodyPr wrap="square" rtlCol="0" anchor="ctr"/>
+          <a:lstStyle/>
+          <a:p>
+            <a:pPr indent="0" marL="0">
+              <a:buNone/>
+            </a:pPr>
+            <a:r>
+              <a:rPr lang="en-US" sz="1800" b="1" dirty="0">
+                <a:solidFill>
+                  <a:srgbClr val="1A1A1A"/>
+                </a:solidFill>
+                <a:latin typeface="Arial" pitchFamily="34" charset="0"/>
+                <a:ea typeface="Arial" pitchFamily="34" charset="-122"/>
+                <a:cs typeface="Arial" pitchFamily="34" charset="-120"/>
+              </a:rPr>
+              <a:t>Lange Wartezeit</a:t>
+            </a:r>
+            <a:endParaRPr lang="en-US" sz="1800" dirty="0"/>
+          </a:p>
+        </p:txBody>
+      </p:sp>
+      <p:sp>
+        <p:nvSpPr>
+          <p:cNvPr id="18" name="Text 16"/>
+          <p:cNvSpPr/>
+          <p:nvPr/>
+        </p:nvSpPr>
+        <p:spPr>
+          <a:xfrm>
+            <a:off x="5943600" y="4480560"/>
+            <a:ext cx="2834640" cy="731520"/>
+          </a:xfrm>
+          <a:prstGeom prst="rect">
+            <a:avLst/>
+          </a:prstGeom>
+          <a:noFill/>
+          <a:ln/>
+        </p:spPr>
+        <p:txBody>
+          <a:bodyPr wrap="square" rtlCol="0" anchor="ctr"/>
+          <a:lstStyle/>
+          <a:p>
+            <a:pPr indent="0" marL="0">
+              <a:buNone/>
+            </a:pPr>
+            <a:r>
+              <a:rPr lang="en-US" sz="1300" dirty="0">
+                <a:solidFill>
+                  <a:srgbClr val="666666"/>
+                </a:solidFill>
+                <a:latin typeface="Arial" pitchFamily="34" charset="0"/>
+                <a:ea typeface="Arial" pitchFamily="34" charset="-122"/>
+                <a:cs typeface="Arial" pitchFamily="34" charset="-120"/>
+              </a:rPr>
+              <a:t>30 Tage durchschnittlich auf Fahrzeuge</a:t>
+            </a:r>
+            <a:endParaRPr lang="en-US" sz="1300" dirty="0"/>
+          </a:p>
+        </p:txBody>
+      </p:sp>
+    </p:spTree>
+  </p:cSld>
+  <p:clrMapOvr>
+    <a:masterClrMapping/>
+  </p:clrMapOvr>
+</p:sld>
+</file>
+
+<file path=ppt/slides/slide3.xml><?xml version="1.0" encoding="utf-8"?>
+<p:sld xmlns:a="http://schemas.openxmlformats.org/drawingml/2006/main" xmlns:r="http://schemas.openxmlformats.org/officeDocument/2006/relationships" xmlns:p="http://schemas.openxmlformats.org/presentationml/2006/main">
+  <p:cSld name="Slide 3">
+    <p:bg>
+      <p:bgPr>
+        <a:solidFill>
+          <a:srgbClr val="F8F9FA"/>
+        </a:solidFill>
+      </p:bgPr>
+    </p:bg>
+    <p:spTree>
+      <p:nvGrpSpPr>
+        <p:cNvPr id="1" name=""/>
+        <p:cNvGrpSpPr/>
+        <p:nvPr/>
+      </p:nvGrpSpPr>
+      <p:grpSpPr>
+        <a:xfrm>
+          <a:off x="0" y="0"/>
+          <a:ext cx="0" cy="0"/>
+          <a:chOff x="0" y="0"/>
+          <a:chExt cx="0" cy="0"/>
+        </a:xfrm>
+      </p:grpSpPr>
+      <p:sp>
+        <p:nvSpPr>
+          <p:cNvPr id="2" name="Shape 0"/>
+          <p:cNvSpPr/>
+          <p:nvPr/>
+        </p:nvSpPr>
+        <p:spPr>
+          <a:xfrm>
+            <a:off x="731520" y="731520"/>
+            <a:ext cx="10698480" cy="5486400"/>
+          </a:xfrm>
+          <a:prstGeom prst="roundRect">
+            <a:avLst>
+              <a:gd name="adj" fmla="val 3333"/>
+            </a:avLst>
+          </a:prstGeom>
+          <a:solidFill>
+            <a:srgbClr val="FFFFFF"/>
+          </a:solidFill>
+          <a:ln w="12700">
+            <a:solidFill>
+              <a:srgbClr val="333333"/>
+            </a:solidFill>
+            <a:prstDash val="solid"/>
+          </a:ln>
+          <a:effectLst>
+            <a:outerShdw sx="100000" sy="100000" kx="0" ky="0" algn="bl" rotWithShape="0" blurRad="254000" dist="101600" dir="5400000">
+              <a:srgbClr val="000000">
+                <a:alpha val="15000"/>
+              </a:srgbClr>
+            </a:outerShdw>
+          </a:effectLst>
+        </p:spPr>
+      </p:sp>
+      <p:sp>
+        <p:nvSpPr>
+          <p:cNvPr id="3" name="Text 1"/>
+          <p:cNvSpPr/>
+          <p:nvPr/>
+        </p:nvSpPr>
+        <p:spPr>
+          <a:xfrm>
+            <a:off x="1188720" y="1097280"/>
+            <a:ext cx="5486400" cy="365760"/>
+          </a:xfrm>
+          <a:prstGeom prst="rect">
+            <a:avLst/>
+          </a:prstGeom>
+          <a:noFill/>
+          <a:ln/>
+        </p:spPr>
+        <p:txBody>
+          <a:bodyPr wrap="square" rtlCol="0" anchor="ctr"/>
+          <a:lstStyle/>
+          <a:p>
+            <a:pPr indent="0" marL="0">
+              <a:buNone/>
+            </a:pPr>
+            <a:r>
+              <a:rPr lang="en-US" sz="1400" b="1" dirty="0">
+                <a:solidFill>
+                  <a:srgbClr val="FF7932"/>
+                </a:solidFill>
+                <a:latin typeface="Arial" pitchFamily="34" charset="0"/>
+                <a:ea typeface="Arial" pitchFamily="34" charset="-122"/>
+                <a:cs typeface="Arial" pitchFamily="34" charset="-120"/>
+              </a:rPr>
+              <a:t>Die Lösung</a:t>
+            </a:r>
+            <a:endParaRPr lang="en-US" sz="1400" dirty="0"/>
+          </a:p>
+        </p:txBody>
+      </p:sp>
+      <p:sp>
+        <p:nvSpPr>
+          <p:cNvPr id="4" name="Text 2"/>
+          <p:cNvSpPr/>
+          <p:nvPr/>
+        </p:nvSpPr>
+        <p:spPr>
+          <a:xfrm>
+            <a:off x="1188720" y="1645920"/>
+            <a:ext cx="9144000" cy="731520"/>
+          </a:xfrm>
+          <a:prstGeom prst="rect">
+            <a:avLst/>
+          </a:prstGeom>
+          <a:noFill/>
+          <a:ln/>
+        </p:spPr>
+        <p:txBody>
+          <a:bodyPr wrap="square" rtlCol="0" anchor="ctr"/>
+          <a:lstStyle/>
+          <a:p>
+            <a:pPr indent="0" marL="0">
+              <a:buNone/>
+            </a:pPr>
+            <a:r>
+              <a:rPr lang="en-US" sz="3600" b="1" dirty="0">
+                <a:solidFill>
+                  <a:srgbClr val="1A1A1A"/>
+                </a:solidFill>
+                <a:latin typeface="Arial" pitchFamily="34" charset="0"/>
+                <a:ea typeface="Arial" pitchFamily="34" charset="-122"/>
+                <a:cs typeface="Arial" pitchFamily="34" charset="-120"/>
+              </a:rPr>
+              <a:t>Eine Software für alle Standorte</a:t>
+            </a:r>
+            <a:endParaRPr lang="en-US" sz="3600" dirty="0"/>
+          </a:p>
+        </p:txBody>
+      </p:sp>
+      <p:sp>
+        <p:nvSpPr>
+          <p:cNvPr id="5" name="Shape 3"/>
+          <p:cNvSpPr/>
+          <p:nvPr/>
+        </p:nvSpPr>
+        <p:spPr>
+          <a:xfrm>
+            <a:off x="1188720" y="2651760"/>
+            <a:ext cx="365760" cy="365760"/>
+          </a:xfrm>
+          <a:prstGeom prst="ellipse">
+            <a:avLst/>
+          </a:prstGeom>
+          <a:solidFill>
+            <a:srgbClr val="FF7932"/>
+          </a:solidFill>
+          <a:ln w="12700">
+            <a:solidFill>
+              <a:srgbClr val="333333"/>
+            </a:solidFill>
+            <a:prstDash val="solid"/>
+          </a:ln>
+        </p:spPr>
+      </p:sp>
+      <p:sp>
+        <p:nvSpPr>
+          <p:cNvPr id="6" name="Text 4"/>
+          <p:cNvSpPr/>
+          <p:nvPr/>
+        </p:nvSpPr>
+        <p:spPr>
+          <a:xfrm>
+            <a:off x="1828800" y="2651760"/>
+            <a:ext cx="2286000" cy="365760"/>
+          </a:xfrm>
+          <a:prstGeom prst="rect">
+            <a:avLst/>
+          </a:prstGeom>
+          <a:noFill/>
+          <a:ln/>
+        </p:spPr>
+        <p:txBody>
+          <a:bodyPr wrap="square" rtlCol="0" anchor="ctr"/>
+          <a:lstStyle/>
+          <a:p>
+            <a:pPr indent="0" marL="0">
+              <a:buNone/>
+            </a:pPr>
+            <a:r>
+              <a:rPr lang="en-US" sz="1800" b="1" dirty="0">
+                <a:solidFill>
+                  <a:srgbClr val="1A1A1A"/>
+                </a:solidFill>
+                <a:latin typeface="Arial" pitchFamily="34" charset="0"/>
+                <a:ea typeface="Arial" pitchFamily="34" charset="-122"/>
+                <a:cs typeface="Arial" pitchFamily="34" charset="-120"/>
+              </a:rPr>
+              <a:t>Synergien nutzen</a:t>
+            </a:r>
+            <a:endParaRPr lang="en-US" sz="1800" dirty="0"/>
+          </a:p>
+        </p:txBody>
+      </p:sp>
+      <p:sp>
+        <p:nvSpPr>
+          <p:cNvPr id="7" name="Text 5"/>
+          <p:cNvSpPr/>
+          <p:nvPr/>
+        </p:nvSpPr>
+        <p:spPr>
+          <a:xfrm>
+            <a:off x="4114800" y="2651760"/>
+            <a:ext cx="5486400" cy="365760"/>
+          </a:xfrm>
+          <a:prstGeom prst="rect">
+            <a:avLst/>
+          </a:prstGeom>
+          <a:noFill/>
+          <a:ln/>
+        </p:spPr>
+        <p:txBody>
+          <a:bodyPr wrap="square" rtlCol="0" anchor="ctr"/>
+          <a:lstStyle/>
+          <a:p>
+            <a:pPr indent="0" marL="0">
+              <a:lnSpc>
+                <a:spcPts val="2400"/>
+              </a:lnSpc>
+              <a:buNone/>
+            </a:pPr>
+            <a:r>
+              <a:rPr lang="en-US" sz="1600" dirty="0">
+                <a:solidFill>
+                  <a:srgbClr val="666666"/>
+                </a:solidFill>
+                <a:latin typeface="Arial" pitchFamily="34" charset="0"/>
+                <a:ea typeface="Arial" pitchFamily="34" charset="-122"/>
+                <a:cs typeface="Arial" pitchFamily="34" charset="-120"/>
+              </a:rPr>
+              <a:t>Vernetzung aller Standorte</a:t>
+            </a:r>
+            <a:endParaRPr lang="en-US" sz="1600" dirty="0"/>
+          </a:p>
+        </p:txBody>
+      </p:sp>
+      <p:sp>
+        <p:nvSpPr>
+          <p:cNvPr id="8" name="Shape 6"/>
+          <p:cNvSpPr/>
+          <p:nvPr/>
+        </p:nvSpPr>
+        <p:spPr>
+          <a:xfrm>
+            <a:off x="1188720" y="3474720"/>
+            <a:ext cx="365760" cy="365760"/>
+          </a:xfrm>
+          <a:prstGeom prst="ellipse">
+            <a:avLst/>
+          </a:prstGeom>
+          <a:solidFill>
+            <a:srgbClr val="FF7932"/>
+          </a:solidFill>
+          <a:ln w="12700">
+            <a:solidFill>
+              <a:srgbClr val="333333"/>
+            </a:solidFill>
+            <a:prstDash val="solid"/>
+          </a:ln>
+        </p:spPr>
+      </p:sp>
+      <p:sp>
+        <p:nvSpPr>
+          <p:cNvPr id="9" name="Text 7"/>
+          <p:cNvSpPr/>
+          <p:nvPr/>
+        </p:nvSpPr>
+        <p:spPr>
+          <a:xfrm>
+            <a:off x="1828800" y="3474720"/>
+            <a:ext cx="2286000" cy="365760"/>
+          </a:xfrm>
+          <a:prstGeom prst="rect">
+            <a:avLst/>
+          </a:prstGeom>
+          <a:noFill/>
+          <a:ln/>
+        </p:spPr>
+        <p:txBody>
+          <a:bodyPr wrap="square" rtlCol="0" anchor="ctr"/>
+          <a:lstStyle/>
+          <a:p>
+            <a:pPr indent="0" marL="0">
+              <a:buNone/>
+            </a:pPr>
+            <a:r>
+              <a:rPr lang="en-US" sz="1800" b="1" dirty="0">
+                <a:solidFill>
+                  <a:srgbClr val="1A1A1A"/>
+                </a:solidFill>
+                <a:latin typeface="Arial" pitchFamily="34" charset="0"/>
+                <a:ea typeface="Arial" pitchFamily="34" charset="-122"/>
+                <a:cs typeface="Arial" pitchFamily="34" charset="-120"/>
+              </a:rPr>
+              <a:t>Effizienz steigern</a:t>
+            </a:r>
+            <a:endParaRPr lang="en-US" sz="1800" dirty="0"/>
+          </a:p>
+        </p:txBody>
+      </p:sp>
+      <p:sp>
+        <p:nvSpPr>
+          <p:cNvPr id="10" name="Text 8"/>
+          <p:cNvSpPr/>
+          <p:nvPr/>
+        </p:nvSpPr>
+        <p:spPr>
+          <a:xfrm>
+            <a:off x="4114800" y="3474720"/>
+            <a:ext cx="5486400" cy="365760"/>
+          </a:xfrm>
+          <a:prstGeom prst="rect">
+            <a:avLst/>
+          </a:prstGeom>
+          <a:noFill/>
+          <a:ln/>
+        </p:spPr>
+        <p:txBody>
+          <a:bodyPr wrap="square" rtlCol="0" anchor="ctr"/>
+          <a:lstStyle/>
+          <a:p>
+            <a:pPr indent="0" marL="0">
+              <a:lnSpc>
+                <a:spcPts val="2400"/>
+              </a:lnSpc>
+              <a:buNone/>
+            </a:pPr>
+            <a:r>
+              <a:rPr lang="en-US" sz="1600" dirty="0">
+                <a:solidFill>
+                  <a:srgbClr val="666666"/>
+                </a:solidFill>
+                <a:latin typeface="Arial" pitchFamily="34" charset="0"/>
+                <a:ea typeface="Arial" pitchFamily="34" charset="-122"/>
+                <a:cs typeface="Arial" pitchFamily="34" charset="-120"/>
+              </a:rPr>
+              <a:t>Optimierte Fahrzeugnutzung</a:t>
+            </a:r>
+            <a:endParaRPr lang="en-US" sz="1600" dirty="0"/>
+          </a:p>
+        </p:txBody>
+      </p:sp>
+      <p:sp>
+        <p:nvSpPr>
+          <p:cNvPr id="11" name="Shape 9"/>
+          <p:cNvSpPr/>
+          <p:nvPr/>
+        </p:nvSpPr>
+        <p:spPr>
+          <a:xfrm>
+            <a:off x="1188720" y="4297680"/>
+            <a:ext cx="365760" cy="365760"/>
+          </a:xfrm>
+          <a:prstGeom prst="ellipse">
+            <a:avLst/>
+          </a:prstGeom>
+          <a:solidFill>
+            <a:srgbClr val="FF7932"/>
+          </a:solidFill>
+          <a:ln w="12700">
+            <a:solidFill>
+              <a:srgbClr val="333333"/>
+            </a:solidFill>
+            <a:prstDash val="solid"/>
+          </a:ln>
+        </p:spPr>
+      </p:sp>
+      <p:sp>
+        <p:nvSpPr>
+          <p:cNvPr id="12" name="Text 10"/>
+          <p:cNvSpPr/>
+          <p:nvPr/>
+        </p:nvSpPr>
+        <p:spPr>
+          <a:xfrm>
+            <a:off x="1828800" y="4297680"/>
+            <a:ext cx="2286000" cy="365760"/>
+          </a:xfrm>
+          <a:prstGeom prst="rect">
+            <a:avLst/>
+          </a:prstGeom>
+          <a:noFill/>
+          <a:ln/>
+        </p:spPr>
+        <p:txBody>
+          <a:bodyPr wrap="square" rtlCol="0" anchor="ctr"/>
+          <a:lstStyle/>
+          <a:p>
+            <a:pPr indent="0" marL="0">
+              <a:buNone/>
+            </a:pPr>
+            <a:r>
+              <a:rPr lang="en-US" sz="1800" b="1" dirty="0">
+                <a:solidFill>
+                  <a:srgbClr val="1A1A1A"/>
+                </a:solidFill>
+                <a:latin typeface="Arial" pitchFamily="34" charset="0"/>
+                <a:ea typeface="Arial" pitchFamily="34" charset="-122"/>
+                <a:cs typeface="Arial" pitchFamily="34" charset="-120"/>
+              </a:rPr>
+              <a:t>Automatisierung</a:t>
+            </a:r>
+            <a:endParaRPr lang="en-US" sz="1800" dirty="0"/>
+          </a:p>
+        </p:txBody>
+      </p:sp>
+      <p:sp>
+        <p:nvSpPr>
+          <p:cNvPr id="13" name="Text 11"/>
+          <p:cNvSpPr/>
+          <p:nvPr/>
+        </p:nvSpPr>
+        <p:spPr>
+          <a:xfrm>
+            <a:off x="4114800" y="4297680"/>
+            <a:ext cx="5486400" cy="365760"/>
+          </a:xfrm>
+          <a:prstGeom prst="rect">
+            <a:avLst/>
+          </a:prstGeom>
+          <a:noFill/>
+          <a:ln/>
+        </p:spPr>
+        <p:txBody>
+          <a:bodyPr wrap="square" rtlCol="0" anchor="ctr"/>
+          <a:lstStyle/>
+          <a:p>
+            <a:pPr indent="0" marL="0">
+              <a:lnSpc>
+                <a:spcPts val="2400"/>
+              </a:lnSpc>
+              <a:buNone/>
+            </a:pPr>
+            <a:r>
+              <a:rPr lang="en-US" sz="1600" dirty="0">
+                <a:solidFill>
+                  <a:srgbClr val="666666"/>
+                </a:solidFill>
+                <a:latin typeface="Arial" pitchFamily="34" charset="0"/>
+                <a:ea typeface="Arial" pitchFamily="34" charset="-122"/>
+                <a:cs typeface="Arial" pitchFamily="34" charset="-120"/>
+              </a:rPr>
+              <a:t>Weniger manuelle Arbeit</a:t>
+            </a:r>
+            <a:endParaRPr lang="en-US" sz="1600" dirty="0"/>
+          </a:p>
+        </p:txBody>
+      </p:sp>
+      <p:sp>
+        <p:nvSpPr>
+          <p:cNvPr id="14" name="Shape 12"/>
+          <p:cNvSpPr/>
+          <p:nvPr/>
+        </p:nvSpPr>
+        <p:spPr>
+          <a:xfrm>
+            <a:off x="1188720" y="5120640"/>
+            <a:ext cx="365760" cy="365760"/>
+          </a:xfrm>
+          <a:prstGeom prst="ellipse">
+            <a:avLst/>
+          </a:prstGeom>
+          <a:solidFill>
+            <a:srgbClr val="FF7932"/>
+          </a:solidFill>
+          <a:ln w="12700">
+            <a:solidFill>
+              <a:srgbClr val="333333"/>
+            </a:solidFill>
+            <a:prstDash val="solid"/>
+          </a:ln>
+        </p:spPr>
+      </p:sp>
+      <p:sp>
+        <p:nvSpPr>
+          <p:cNvPr id="15" name="Text 13"/>
+          <p:cNvSpPr/>
+          <p:nvPr/>
+        </p:nvSpPr>
+        <p:spPr>
+          <a:xfrm>
+            <a:off x="1828800" y="5120640"/>
+            <a:ext cx="2286000" cy="365760"/>
+          </a:xfrm>
+          <a:prstGeom prst="rect">
+            <a:avLst/>
+          </a:prstGeom>
+          <a:noFill/>
+          <a:ln/>
+        </p:spPr>
+        <p:txBody>
+          <a:bodyPr wrap="square" rtlCol="0" anchor="ctr"/>
+          <a:lstStyle/>
+          <a:p>
+            <a:pPr indent="0" marL="0">
+              <a:buNone/>
+            </a:pPr>
+            <a:r>
+              <a:rPr lang="en-US" sz="1800" b="1" dirty="0">
+                <a:solidFill>
+                  <a:srgbClr val="1A1A1A"/>
+                </a:solidFill>
+                <a:latin typeface="Arial" pitchFamily="34" charset="0"/>
+                <a:ea typeface="Arial" pitchFamily="34" charset="-122"/>
+                <a:cs typeface="Arial" pitchFamily="34" charset="-120"/>
+              </a:rPr>
+              <a:t>Kosteneinsparung</a:t>
+            </a:r>
+            <a:endParaRPr lang="en-US" sz="1800" dirty="0"/>
+          </a:p>
+        </p:txBody>
+      </p:sp>
+      <p:sp>
+        <p:nvSpPr>
+          <p:cNvPr id="16" name="Text 14"/>
+          <p:cNvSpPr/>
+          <p:nvPr/>
+        </p:nvSpPr>
+        <p:spPr>
+          <a:xfrm>
+            <a:off x="4114800" y="5120640"/>
+            <a:ext cx="5486400" cy="365760"/>
+          </a:xfrm>
+          <a:prstGeom prst="rect">
+            <a:avLst/>
+          </a:prstGeom>
+          <a:noFill/>
+          <a:ln/>
+        </p:spPr>
+        <p:txBody>
+          <a:bodyPr wrap="square" rtlCol="0" anchor="ctr"/>
+          <a:lstStyle/>
+          <a:p>
+            <a:pPr indent="0" marL="0">
+              <a:lnSpc>
+                <a:spcPts val="2400"/>
+              </a:lnSpc>
+              <a:buNone/>
+            </a:pPr>
+            <a:r>
+              <a:rPr lang="en-US" sz="1600" dirty="0">
+                <a:solidFill>
+                  <a:srgbClr val="666666"/>
+                </a:solidFill>
+                <a:latin typeface="Arial" pitchFamily="34" charset="0"/>
+                <a:ea typeface="Arial" pitchFamily="34" charset="-122"/>
+                <a:cs typeface="Arial" pitchFamily="34" charset="-120"/>
+              </a:rPr>
+              <a:t>260.000 € jährlich</a:t>
+            </a:r>
+            <a:endParaRPr lang="en-US" sz="1600" dirty="0"/>
+          </a:p>
+        </p:txBody>
+      </p:sp>
+    </p:spTree>
+  </p:cSld>
+  <p:clrMapOvr>
+    <a:masterClrMapping/>
+  </p:clrMapOvr>
+</p:sld>
+</file>
+
+<file path=ppt/slides/slide4.xml><?xml version="1.0" encoding="utf-8"?>
+<p:sld xmlns:a="http://schemas.openxmlformats.org/drawingml/2006/main" xmlns:r="http://schemas.openxmlformats.org/officeDocument/2006/relationships" xmlns:p="http://schemas.openxmlformats.org/presentationml/2006/main">
+  <p:cSld name="Slide 4">
+    <p:bg>
+      <p:bgPr>
+        <a:solidFill>
+          <a:srgbClr val="FFFFFF"/>
+        </a:solidFill>
+      </p:bgPr>
+    </p:bg>
+    <p:spTree>
+      <p:nvGrpSpPr>
+        <p:cNvPr id="1" name=""/>
+        <p:cNvGrpSpPr/>
+        <p:nvPr/>
+      </p:nvGrpSpPr>
+      <p:grpSpPr>
+        <a:xfrm>
+          <a:off x="0" y="0"/>
+          <a:ext cx="0" cy="0"/>
+          <a:chOff x="0" y="0"/>
+          <a:chExt cx="0" cy="0"/>
+        </a:xfrm>
+      </p:grpSpPr>
+      <p:sp>
+        <p:nvSpPr>
+          <p:cNvPr id="2" name="Text 0"/>
+          <p:cNvSpPr/>
+          <p:nvPr/>
+        </p:nvSpPr>
+        <p:spPr>
+          <a:xfrm>
+            <a:off x="731520" y="548640"/>
+            <a:ext cx="7315200" cy="365760"/>
+          </a:xfrm>
+          <a:prstGeom prst="rect">
+            <a:avLst/>
+          </a:prstGeom>
+          <a:noFill/>
+          <a:ln/>
+        </p:spPr>
+        <p:txBody>
+          <a:bodyPr wrap="square" rtlCol="0" anchor="ctr"/>
+          <a:lstStyle/>
+          <a:p>
+            <a:pPr indent="0" marL="0">
+              <a:buNone/>
+            </a:pPr>
+            <a:r>
+              <a:rPr lang="en-US" sz="1400" b="1" dirty="0">
+                <a:solidFill>
+                  <a:srgbClr val="FF7932"/>
+                </a:solidFill>
+                <a:latin typeface="Arial" pitchFamily="34" charset="0"/>
+                <a:ea typeface="Arial" pitchFamily="34" charset="-122"/>
+                <a:cs typeface="Arial" pitchFamily="34" charset="-120"/>
+              </a:rPr>
+              <a:t>Minimum Viable Product</a:t>
+            </a:r>
+            <a:endParaRPr lang="en-US" sz="1400" dirty="0"/>
+          </a:p>
+        </p:txBody>
+      </p:sp>
+      <p:sp>
+        <p:nvSpPr>
+          <p:cNvPr id="3" name="Text 1"/>
+          <p:cNvSpPr/>
+          <p:nvPr/>
+        </p:nvSpPr>
+        <p:spPr>
+          <a:xfrm>
+            <a:off x="731520" y="1005840"/>
+            <a:ext cx="7315200" cy="640080"/>
+          </a:xfrm>
+          <a:prstGeom prst="rect">
+            <a:avLst/>
+          </a:prstGeom>
+          <a:noFill/>
+          <a:ln/>
+        </p:spPr>
+        <p:txBody>
+          <a:bodyPr wrap="square" rtlCol="0" anchor="ctr"/>
+          <a:lstStyle/>
+          <a:p>
+            <a:pPr indent="0" marL="0">
+              <a:buNone/>
+            </a:pPr>
+            <a:r>
+              <a:rPr lang="en-US" sz="3600" b="1" dirty="0">
+                <a:solidFill>
+                  <a:srgbClr val="1A1A1A"/>
+                </a:solidFill>
+                <a:latin typeface="Arial" pitchFamily="34" charset="0"/>
+                <a:ea typeface="Arial" pitchFamily="34" charset="-122"/>
+                <a:cs typeface="Arial" pitchFamily="34" charset="-120"/>
+              </a:rPr>
+              <a:t>Die Kernfunktionen</a:t>
+            </a:r>
+            <a:endParaRPr lang="en-US" sz="3600" dirty="0"/>
+          </a:p>
+        </p:txBody>
+      </p:sp>
+      <p:sp>
+        <p:nvSpPr>
+          <p:cNvPr id="4" name="Text 2"/>
+          <p:cNvSpPr/>
+          <p:nvPr/>
+        </p:nvSpPr>
+        <p:spPr>
+          <a:xfrm>
+            <a:off x="731520" y="2011680"/>
+            <a:ext cx="3017520" cy="1280160"/>
+          </a:xfrm>
+          <a:prstGeom prst="roundRect">
+            <a:avLst>
+              <a:gd name="adj" fmla="val 50000"/>
+            </a:avLst>
+          </a:prstGeom>
+          <a:solidFill>
+            <a:srgbClr val="F8F9FA"/>
+          </a:solidFill>
+          <a:ln/>
+          <a:effectLst>
+            <a:outerShdw sx="100000" sy="100000" kx="0" ky="0" algn="bl" rotWithShape="0" blurRad="101600" dist="25400" dir="5400000">
+              <a:srgbClr val="000000">
+                <a:alpha val="10000"/>
+              </a:srgbClr>
+            </a:outerShdw>
+          </a:effectLst>
+        </p:spPr>
+        <p:txBody>
+          <a:bodyPr wrap="square" rtlCol="0" anchor="ctr"/>
+          <a:lstStyle/>
+          <a:p>
+            <a:pPr indent="0" marL="0">
+              <a:buNone/>
+            </a:pPr>
+            <a:r>
+              <a:rPr lang="en-US" sz="1800" b="1" dirty="0">
+                <a:solidFill>
+                  <a:srgbClr val="1A1A1A"/>
+                </a:solidFill>
+                <a:latin typeface="Arial" pitchFamily="34" charset="0"/>
+                <a:ea typeface="Arial" pitchFamily="34" charset="-122"/>
+                <a:cs typeface="Arial" pitchFamily="34" charset="-120"/>
+              </a:rPr>
+              <a:t>Planungsalgorithmus</a:t>
+            </a:r>
+            <a:endParaRPr lang="en-US" sz="1800" dirty="0"/>
+          </a:p>
+        </p:txBody>
+      </p:sp>
+      <p:sp>
+        <p:nvSpPr>
+          <p:cNvPr id="5" name="Text 3"/>
+          <p:cNvSpPr/>
+          <p:nvPr/>
+        </p:nvSpPr>
+        <p:spPr>
+          <a:xfrm>
+            <a:off x="4114800" y="2011680"/>
+            <a:ext cx="3017520" cy="1280160"/>
+          </a:xfrm>
+          <a:prstGeom prst="roundRect">
+            <a:avLst>
+              <a:gd name="adj" fmla="val 50000"/>
+            </a:avLst>
+          </a:prstGeom>
+          <a:solidFill>
+            <a:srgbClr val="FF7932"/>
+          </a:solidFill>
+          <a:ln/>
+          <a:effectLst>
+            <a:outerShdw sx="100000" sy="100000" kx="0" ky="0" algn="bl" rotWithShape="0" blurRad="101600" dist="25400" dir="5400000">
+              <a:srgbClr val="000000">
+                <a:alpha val="10000"/>
+              </a:srgbClr>
+            </a:outerShdw>
+          </a:effectLst>
+        </p:spPr>
+        <p:txBody>
+          <a:bodyPr wrap="square" rtlCol="0" anchor="ctr"/>
+          <a:lstStyle/>
+          <a:p>
+            <a:pPr indent="0" marL="0">
+              <a:buNone/>
+            </a:pPr>
+            <a:r>
+              <a:rPr lang="en-US" sz="1800" b="1" dirty="0">
+                <a:solidFill>
+                  <a:srgbClr val="FFFFFF"/>
+                </a:solidFill>
+                <a:latin typeface="Arial" pitchFamily="34" charset="0"/>
+                <a:ea typeface="Arial" pitchFamily="34" charset="-122"/>
+                <a:cs typeface="Arial" pitchFamily="34" charset="-120"/>
+              </a:rPr>
+              <a:t>Driver App</a:t>
+            </a:r>
+            <a:endParaRPr lang="en-US" sz="1800" dirty="0"/>
+          </a:p>
+        </p:txBody>
+      </p:sp>
+      <p:sp>
+        <p:nvSpPr>
+          <p:cNvPr id="6" name="Text 4"/>
+          <p:cNvSpPr/>
+          <p:nvPr/>
+        </p:nvSpPr>
+        <p:spPr>
+          <a:xfrm>
+            <a:off x="731520" y="3566160"/>
+            <a:ext cx="3017520" cy="1280160"/>
+          </a:xfrm>
+          <a:prstGeom prst="roundRect">
+            <a:avLst>
+              <a:gd name="adj" fmla="val 50000"/>
+            </a:avLst>
+          </a:prstGeom>
+          <a:solidFill>
+            <a:srgbClr val="F8F9FA"/>
+          </a:solidFill>
+          <a:ln/>
+          <a:effectLst>
+            <a:outerShdw sx="100000" sy="100000" kx="0" ky="0" algn="bl" rotWithShape="0" blurRad="101600" dist="25400" dir="5400000">
+              <a:srgbClr val="000000">
+                <a:alpha val="10000"/>
+              </a:srgbClr>
+            </a:outerShdw>
+          </a:effectLst>
+        </p:spPr>
+        <p:txBody>
+          <a:bodyPr wrap="square" rtlCol="0" anchor="ctr"/>
+          <a:lstStyle/>
+          <a:p>
+            <a:pPr indent="0" marL="0">
+              <a:buNone/>
+            </a:pPr>
+            <a:r>
+              <a:rPr lang="en-US" sz="1800" b="1" dirty="0">
+                <a:solidFill>
+                  <a:srgbClr val="1A1A1A"/>
+                </a:solidFill>
+                <a:latin typeface="Arial" pitchFamily="34" charset="0"/>
+                <a:ea typeface="Arial" pitchFamily="34" charset="-122"/>
+                <a:cs typeface="Arial" pitchFamily="34" charset="-120"/>
+              </a:rPr>
+              <a:t>Web-Backoffice</a:t>
+            </a:r>
+            <a:endParaRPr lang="en-US" sz="1800" dirty="0"/>
+          </a:p>
+        </p:txBody>
+      </p:sp>
+      <p:sp>
+        <p:nvSpPr>
+          <p:cNvPr id="7" name="Text 5"/>
+          <p:cNvSpPr/>
+          <p:nvPr/>
+        </p:nvSpPr>
+        <p:spPr>
+          <a:xfrm>
+            <a:off x="4114800" y="3566160"/>
+            <a:ext cx="3017520" cy="1280160"/>
+          </a:xfrm>
+          <a:prstGeom prst="roundRect">
+            <a:avLst>
+              <a:gd name="adj" fmla="val 50000"/>
+            </a:avLst>
+          </a:prstGeom>
+          <a:solidFill>
+            <a:srgbClr val="FF7932"/>
+          </a:solidFill>
+          <a:ln/>
+          <a:effectLst>
+            <a:outerShdw sx="100000" sy="100000" kx="0" ky="0" algn="bl" rotWithShape="0" blurRad="101600" dist="25400" dir="5400000">
+              <a:srgbClr val="000000">
+                <a:alpha val="10000"/>
+              </a:srgbClr>
+            </a:outerShdw>
+          </a:effectLst>
+        </p:spPr>
+        <p:txBody>
+          <a:bodyPr wrap="square" rtlCol="0" anchor="ctr"/>
+          <a:lstStyle/>
+          <a:p>
+            <a:pPr indent="0" marL="0">
+              <a:buNone/>
+            </a:pPr>
+            <a:r>
+              <a:rPr lang="en-US" sz="1800" b="1" dirty="0">
+                <a:solidFill>
+                  <a:srgbClr val="FFFFFF"/>
+                </a:solidFill>
+                <a:latin typeface="Arial" pitchFamily="34" charset="0"/>
+                <a:ea typeface="Arial" pitchFamily="34" charset="-122"/>
+                <a:cs typeface="Arial" pitchFamily="34" charset="-120"/>
+              </a:rPr>
+              <a:t>Externe Dienstleister</a:t>
+            </a:r>
+            <a:endParaRPr lang="en-US" sz="1800" dirty="0"/>
+          </a:p>
+        </p:txBody>
+      </p:sp>
+      <p:sp>
+        <p:nvSpPr>
+          <p:cNvPr id="8" name="Text 6"/>
+          <p:cNvSpPr/>
+          <p:nvPr/>
+        </p:nvSpPr>
+        <p:spPr>
+          <a:xfrm>
+            <a:off x="7498080" y="3566160"/>
+            <a:ext cx="3017520" cy="1280160"/>
+          </a:xfrm>
+          <a:prstGeom prst="roundRect">
+            <a:avLst>
+              <a:gd name="adj" fmla="val 50000"/>
+            </a:avLst>
+          </a:prstGeom>
+          <a:solidFill>
+            <a:srgbClr val="F8F9FA"/>
+          </a:solidFill>
+          <a:ln/>
+          <a:effectLst>
+            <a:outerShdw sx="100000" sy="100000" kx="0" ky="0" algn="bl" rotWithShape="0" blurRad="101600" dist="25400" dir="5400000">
+              <a:srgbClr val="000000">
+                <a:alpha val="10000"/>
+              </a:srgbClr>
+            </a:outerShdw>
+          </a:effectLst>
+        </p:spPr>
+        <p:txBody>
+          <a:bodyPr wrap="square" rtlCol="0" anchor="ctr"/>
+          <a:lstStyle/>
+          <a:p>
+            <a:pPr indent="0" marL="0">
+              <a:buNone/>
+            </a:pPr>
+            <a:r>
+              <a:rPr lang="en-US" sz="1800" b="1" dirty="0">
+                <a:solidFill>
+                  <a:srgbClr val="1A1A1A"/>
+                </a:solidFill>
+                <a:latin typeface="Arial" pitchFamily="34" charset="0"/>
+                <a:ea typeface="Arial" pitchFamily="34" charset="-122"/>
+                <a:cs typeface="Arial" pitchFamily="34" charset="-120"/>
+              </a:rPr>
+              <a:t>Monitoring</a:t>
+            </a:r>
+            <a:endParaRPr lang="en-US" sz="1800" dirty="0"/>
+          </a:p>
+        </p:txBody>
+      </p:sp>
+      <p:sp>
+        <p:nvSpPr>
+          <p:cNvPr id="9" name="Text 7"/>
+          <p:cNvSpPr/>
+          <p:nvPr/>
+        </p:nvSpPr>
+        <p:spPr>
+          <a:xfrm>
+            <a:off x="4114800" y="5120640"/>
+            <a:ext cx="3017520" cy="1280160"/>
+          </a:xfrm>
+          <a:prstGeom prst="roundRect">
+            <a:avLst>
+              <a:gd name="adj" fmla="val 50000"/>
+            </a:avLst>
+          </a:prstGeom>
+          <a:solidFill>
+            <a:srgbClr val="FF7932"/>
+          </a:solidFill>
+          <a:ln/>
+          <a:effectLst>
+            <a:outerShdw sx="100000" sy="100000" kx="0" ky="0" algn="bl" rotWithShape="0" blurRad="101600" dist="25400" dir="5400000">
+              <a:srgbClr val="000000">
+                <a:alpha val="10000"/>
+              </a:srgbClr>
+            </a:outerShdw>
+          </a:effectLst>
+        </p:spPr>
+        <p:txBody>
+          <a:bodyPr wrap="square" rtlCol="0" anchor="ctr"/>
+          <a:lstStyle/>
+          <a:p>
+            <a:pPr indent="0" marL="0">
+              <a:buNone/>
+            </a:pPr>
+            <a:r>
+              <a:rPr lang="en-US" sz="1800" b="1" dirty="0">
+                <a:solidFill>
+                  <a:srgbClr val="FFFFFF"/>
+                </a:solidFill>
+                <a:latin typeface="Arial" pitchFamily="34" charset="0"/>
+                <a:ea typeface="Arial" pitchFamily="34" charset="-122"/>
+                <a:cs typeface="Arial" pitchFamily="34" charset="-120"/>
+              </a:rPr>
+              <a:t>Reporting</a:t>
+            </a:r>
+            <a:endParaRPr lang="en-US" sz="1800" dirty="0"/>
+          </a:p>
+        </p:txBody>
+      </p:sp>
+    </p:spTree>
+  </p:cSld>
+  <p:clrMapOvr>
+    <a:masterClrMapping/>
+  </p:clrMapOvr>
+</p:sld>
+</file>
+
+<file path=ppt/slides/slide5.xml><?xml version="1.0" encoding="utf-8"?>
+<p:sld xmlns:a="http://schemas.openxmlformats.org/drawingml/2006/main" xmlns:r="http://schemas.openxmlformats.org/officeDocument/2006/relationships" xmlns:p="http://schemas.openxmlformats.org/presentationml/2006/main">
+  <p:cSld name="Slide 5">
+    <p:spTree>
+      <p:nvGrpSpPr>
+        <p:cNvPr id="1" name=""/>
+        <p:cNvGrpSpPr/>
+        <p:nvPr/>
+      </p:nvGrpSpPr>
+      <p:grpSpPr>
+        <a:xfrm>
+          <a:off x="0" y="0"/>
+          <a:ext cx="0" cy="0"/>
+          <a:chOff x="0" y="0"/>
+          <a:chExt cx="0" cy="0"/>
+        </a:xfrm>
+      </p:grpSpPr>
+      <p:sp>
+        <p:nvSpPr>
+          <p:cNvPr id="2" name="Shape 0"/>
+          <p:cNvSpPr/>
+          <p:nvPr/>
+        </p:nvSpPr>
+        <p:spPr>
+          <a:xfrm>
+            <a:off x="0" y="0"/>
+            <a:ext cx="9144000" cy="3429000"/>
+          </a:xfrm>
+          <a:prstGeom prst="rect">
+            <a:avLst/>
+          </a:prstGeom>
+          <a:solidFill>
+            <a:srgbClr val="1A1A1A"/>
+          </a:solidFill>
+          <a:ln w="12700">
+            <a:solidFill>
+              <a:srgbClr val="333333"/>
+            </a:solidFill>
+            <a:prstDash val="solid"/>
+          </a:ln>
+        </p:spPr>
+      </p:sp>
+      <p:sp>
+        <p:nvSpPr>
+          <p:cNvPr id="3" name="Shape 1"/>
+          <p:cNvSpPr/>
+          <p:nvPr/>
+        </p:nvSpPr>
+        <p:spPr>
+          <a:xfrm>
+            <a:off x="0" y="3429000"/>
+            <a:ext cx="9144000" cy="3429000"/>
+          </a:xfrm>
+          <a:prstGeom prst="rect">
+            <a:avLst/>
+          </a:prstGeom>
+          <a:solidFill>
+            <a:srgbClr val="FF7932"/>
+          </a:solidFill>
+          <a:ln w="12700">
+            <a:solidFill>
+              <a:srgbClr val="333333"/>
+            </a:solidFill>
+            <a:prstDash val="solid"/>
+          </a:ln>
+        </p:spPr>
+      </p:sp>
+      <p:sp>
+        <p:nvSpPr>
+          <p:cNvPr id="4" name="Text 2"/>
+          <p:cNvSpPr/>
+          <p:nvPr/>
+        </p:nvSpPr>
+        <p:spPr>
+          <a:xfrm>
+            <a:off x="731520" y="914400"/>
+            <a:ext cx="9144000" cy="731520"/>
+          </a:xfrm>
+          <a:prstGeom prst="rect">
+            <a:avLst/>
+          </a:prstGeom>
+          <a:noFill/>
+          <a:ln/>
+        </p:spPr>
+        <p:txBody>
+          <a:bodyPr wrap="square" rtlCol="0" anchor="ctr"/>
+          <a:lstStyle/>
+          <a:p>
+            <a:pPr indent="0" marL="0">
+              <a:buNone/>
+            </a:pPr>
+            <a:r>
+              <a:rPr lang="en-US" sz="3600" b="1" dirty="0">
+                <a:solidFill>
+                  <a:srgbClr val="FFFFFF"/>
+                </a:solidFill>
+                <a:latin typeface="Arial" pitchFamily="34" charset="0"/>
+                <a:ea typeface="Arial" pitchFamily="34" charset="-122"/>
+                <a:cs typeface="Arial" pitchFamily="34" charset="-120"/>
+              </a:rPr>
+              <a:t>Bereit für die</a:t>
+            </a:r>
+            <a:endParaRPr lang="en-US" sz="3600" dirty="0"/>
+          </a:p>
+        </p:txBody>
+      </p:sp>
+      <p:sp>
+        <p:nvSpPr>
+          <p:cNvPr id="5" name="Text 3"/>
+          <p:cNvSpPr/>
+          <p:nvPr/>
+        </p:nvSpPr>
+        <p:spPr>
+          <a:xfrm>
+            <a:off x="731520" y="1645920"/>
+            <a:ext cx="9144000" cy="1097280"/>
+          </a:xfrm>
+          <a:prstGeom prst="rect">
+            <a:avLst/>
+          </a:prstGeom>
+          <a:noFill/>
+          <a:ln/>
+        </p:spPr>
+        <p:txBody>
+          <a:bodyPr wrap="square" rtlCol="0" anchor="ctr"/>
+          <a:lstStyle/>
+          <a:p>
+            <a:pPr indent="0" marL="0">
+              <a:buNone/>
+            </a:pPr>
+            <a:r>
+              <a:rPr lang="en-US" sz="7200" b="1" dirty="0">
+                <a:solidFill>
+                  <a:srgbClr val="FFFFFF"/>
+                </a:solidFill>
+                <a:latin typeface="Arial Black" pitchFamily="34" charset="0"/>
+                <a:ea typeface="Arial Black" pitchFamily="34" charset="-122"/>
+                <a:cs typeface="Arial Black" pitchFamily="34" charset="-120"/>
+              </a:rPr>
+              <a:t>Zukunft?</a:t>
+            </a:r>
+            <a:endParaRPr lang="en-US" sz="7200" dirty="0"/>
+          </a:p>
+        </p:txBody>
+      </p:sp>
+      <p:sp>
+        <p:nvSpPr>
+          <p:cNvPr id="6" name="Text 4"/>
+          <p:cNvSpPr/>
+          <p:nvPr/>
+        </p:nvSpPr>
+        <p:spPr>
+          <a:xfrm>
+            <a:off x="731520" y="3931920"/>
+            <a:ext cx="9144000" cy="914400"/>
+          </a:xfrm>
+          <a:prstGeom prst="rect">
+            <a:avLst/>
+          </a:prstGeom>
+          <a:noFill/>
+          <a:ln/>
+        </p:spPr>
+        <p:txBody>
+          <a:bodyPr wrap="square" rtlCol="0" anchor="ctr"/>
+          <a:lstStyle/>
+          <a:p>
+            <a:pPr indent="0" marL="0">
+              <a:lnSpc>
+                <a:spcPts val="2400"/>
+              </a:lnSpc>
+              <a:buNone/>
+            </a:pPr>
+            <a:r>
+              <a:rPr lang="en-US" sz="1800" dirty="0">
+                <a:solidFill>
+                  <a:srgbClr val="1A1A1A"/>
+                </a:solidFill>
+                <a:latin typeface="Arial" pitchFamily="34" charset="0"/>
+                <a:ea typeface="Arial" pitchFamily="34" charset="-122"/>
+                <a:cs typeface="Arial" pitchFamily="34" charset="-120"/>
+              </a:rPr>
+              <a:t>Gemeinsam gestalten wir die digitale Transformation Ihrer Fahrzeugdisposition.</a:t>
+            </a:r>
+            <a:endParaRPr lang="en-US" sz="1800" dirty="0"/>
+          </a:p>
+        </p:txBody>
+      </p:sp>
+    </p:spTree>
+  </p:cSld>
+  <p:clrMapOvr>
+    <a:masterClrMapping/>
+  </p:clrMapOvr>
+</p:sld>
 </file>
 
 <file path=ppt/theme/theme1.xml><?xml version="1.0" encoding="utf-8"?>
